--- a/lectures/week8/lecture1/slides/week8_lecture1.pptx
+++ b/lectures/week8/lecture1/slides/week8_lecture1.pptx
@@ -25,9 +25,8 @@
     <p:sldId id="366" r:id="rId19"/>
     <p:sldId id="367" r:id="rId20"/>
     <p:sldId id="369" r:id="rId21"/>
-    <p:sldId id="368" r:id="rId22"/>
-    <p:sldId id="324" r:id="rId23"/>
-    <p:sldId id="325" r:id="rId24"/>
+    <p:sldId id="324" r:id="rId22"/>
+    <p:sldId id="325" r:id="rId23"/>
   </p:sldIdLst>
   <p:sldSz cx="12192000" cy="6858000"/>
   <p:notesSz cx="6858000" cy="9144000"/>
@@ -151,7 +150,6 @@
             <p14:sldId id="366"/>
             <p14:sldId id="367"/>
             <p14:sldId id="369"/>
-            <p14:sldId id="368"/>
             <p14:sldId id="324"/>
             <p14:sldId id="325"/>
           </p14:sldIdLst>
@@ -1662,7 +1660,7 @@
                 </a:solidFill>
                 <a:latin typeface="Consolas" panose="020B0609020204030204" pitchFamily="49" charset="0"/>
               </a:rPr>
-              <a:t>(name, age, studies) = record</a:t>
+              <a:t>name, age, studies = record</a:t>
             </a:r>
           </a:p>
           <a:p>
@@ -2568,7 +2566,59 @@
           <a:p>
             <a:r>
               <a:rPr lang="en-US" dirty="0"/>
-              <a:t>A set is an unordered collection of distinct items that does not record element position or order of insertion</a:t>
+              <a:t>A set </a:t>
+            </a:r>
+            <a:r>
+              <a:rPr lang="en-US" b="1" dirty="0">
+                <a:solidFill>
+                  <a:schemeClr val="accent6"/>
+                </a:solidFill>
+              </a:rPr>
+              <a:t>{</a:t>
+            </a:r>
+            <a:r>
+              <a:rPr lang="en-US" b="1" dirty="0"/>
+              <a:t>exp1</a:t>
+            </a:r>
+            <a:r>
+              <a:rPr lang="en-US" b="1" dirty="0">
+                <a:solidFill>
+                  <a:schemeClr val="accent2"/>
+                </a:solidFill>
+              </a:rPr>
+              <a:t>,</a:t>
+            </a:r>
+            <a:r>
+              <a:rPr lang="en-US" b="1" dirty="0"/>
+              <a:t> exp2</a:t>
+            </a:r>
+            <a:r>
+              <a:rPr lang="en-US" b="1" dirty="0">
+                <a:solidFill>
+                  <a:schemeClr val="accent2"/>
+                </a:solidFill>
+              </a:rPr>
+              <a:t>,</a:t>
+            </a:r>
+            <a:r>
+              <a:rPr lang="en-US" b="1" dirty="0"/>
+              <a:t> …</a:t>
+            </a:r>
+            <a:r>
+              <a:rPr lang="en-US" b="1" dirty="0">
+                <a:solidFill>
+                  <a:schemeClr val="accent6"/>
+                </a:solidFill>
+              </a:rPr>
+              <a:t>}</a:t>
+            </a:r>
+            <a:r>
+              <a:rPr lang="en-US" b="1" dirty="0"/>
+              <a:t> </a:t>
+            </a:r>
+            <a:r>
+              <a:rPr lang="en-US" dirty="0"/>
+              <a:t>is an unordered collection of distinct items that does not record element position or order of insertion</a:t>
             </a:r>
             <a:r>
               <a:rPr lang="en-US" dirty="0">
@@ -5600,7 +5650,7 @@
             </a:r>
             <a:r>
               <a:rPr lang="en-US" dirty="0"/>
-              <a:t> keyword</a:t>
+              <a:t> operator</a:t>
             </a:r>
             <a:r>
               <a:rPr lang="en-US" dirty="0">
@@ -6478,7 +6528,7 @@
             </a:r>
             <a:r>
               <a:rPr lang="en-US" dirty="0"/>
-              <a:t> of two of more </a:t>
+              <a:t> of two or more </a:t>
             </a:r>
             <a:r>
               <a:rPr lang="en-US" dirty="0">
@@ -7333,7 +7383,7 @@
             </a:r>
             <a:r>
               <a:rPr lang="en-US" dirty="0"/>
-              <a:t> of two of more </a:t>
+              <a:t> of two or more </a:t>
             </a:r>
             <a:r>
               <a:rPr lang="en-US" dirty="0">
@@ -8006,7 +8056,7 @@
             </a:r>
             <a:r>
               <a:rPr lang="en-US" b="1" dirty="0"/>
-              <a:t> ??</a:t>
+              <a:t> 11</a:t>
             </a:r>
           </a:p>
           <a:p>
@@ -8034,7 +8084,7 @@
             <a:pPr lvl="1"/>
             <a:r>
               <a:rPr lang="en-US" dirty="0"/>
-              <a:t>Reading: ??</a:t>
+              <a:t>Reading: 11</a:t>
             </a:r>
           </a:p>
           <a:p>
@@ -8055,19 +8105,15 @@
             <a:pPr lvl="1"/>
             <a:r>
               <a:rPr lang="en-US" dirty="0"/>
-              <a:t>Design Problem</a:t>
-            </a:r>
-            <a:r>
-              <a:rPr lang="en-US" dirty="0">
-                <a:solidFill>
-                  <a:schemeClr val="accent1"/>
-                </a:solidFill>
-              </a:rPr>
-              <a:t>:</a:t>
-            </a:r>
-            <a:r>
-              <a:rPr lang="en-US" dirty="0"/>
-              <a:t> Solving Systems of Equations</a:t>
+              <a:t>Review for Midterm 2 </a:t>
+            </a:r>
+            <a:r>
+              <a:rPr lang="en-US" dirty="0">
+                <a:solidFill>
+                  <a:schemeClr val="accent6"/>
+                </a:solidFill>
+              </a:rPr>
+              <a:t>#jeopardy</a:t>
             </a:r>
           </a:p>
         </p:txBody>
@@ -8347,248 +8393,6 @@
       </p:grpSpPr>
       <p:sp>
         <p:nvSpPr>
-          <p:cNvPr id="2" name="Title 1">
-            <a:extLst>
-              <a:ext uri="{FF2B5EF4-FFF2-40B4-BE49-F238E27FC236}">
-                <a16:creationId xmlns:a16="http://schemas.microsoft.com/office/drawing/2014/main" id="{560FA3E4-D06F-4F67-959E-5EB384385035}"/>
-              </a:ext>
-            </a:extLst>
-          </p:cNvPr>
-          <p:cNvSpPr>
-            <a:spLocks noGrp="1"/>
-          </p:cNvSpPr>
-          <p:nvPr>
-            <p:ph type="title"/>
-          </p:nvPr>
-        </p:nvSpPr>
-        <p:spPr/>
-        <p:txBody>
-          <a:bodyPr>
-            <a:normAutofit fontScale="90000"/>
-          </a:bodyPr>
-          <a:lstStyle/>
-          <a:p>
-            <a:r>
-              <a:rPr lang="en-US" b="1" dirty="0">
-                <a:solidFill>
-                  <a:schemeClr val="accent6"/>
-                </a:solidFill>
-              </a:rPr>
-              <a:t>Breakout Session </a:t>
-            </a:r>
-            <a:r>
-              <a:rPr lang="en-US" b="1" dirty="0"/>
-              <a:t>3</a:t>
-            </a:r>
-            <a:endParaRPr lang="en-US" dirty="0">
-              <a:solidFill>
-                <a:schemeClr val="accent6"/>
-              </a:solidFill>
-              <a:latin typeface="Consolas" panose="020B0609020204030204" pitchFamily="49" charset="0"/>
-            </a:endParaRPr>
-          </a:p>
-        </p:txBody>
-      </p:sp>
-      <p:sp>
-        <p:nvSpPr>
-          <p:cNvPr id="6" name="Content Placeholder 5">
-            <a:extLst>
-              <a:ext uri="{FF2B5EF4-FFF2-40B4-BE49-F238E27FC236}">
-                <a16:creationId xmlns:a16="http://schemas.microsoft.com/office/drawing/2014/main" id="{F93F64D9-1EBE-4498-9407-D1C67AB3CF2B}"/>
-              </a:ext>
-            </a:extLst>
-          </p:cNvPr>
-          <p:cNvSpPr>
-            <a:spLocks noGrp="1"/>
-          </p:cNvSpPr>
-          <p:nvPr>
-            <p:ph idx="1"/>
-          </p:nvPr>
-        </p:nvSpPr>
-        <p:spPr>
-          <a:xfrm>
-            <a:off x="838200" y="1825624"/>
-            <a:ext cx="6821384" cy="3061180"/>
-          </a:xfrm>
-        </p:spPr>
-        <p:txBody>
-          <a:bodyPr>
-            <a:normAutofit/>
-          </a:bodyPr>
-          <a:lstStyle/>
-          <a:p>
-            <a:r>
-              <a:rPr lang="en-US" sz="4000" dirty="0"/>
-              <a:t>In this Breakout Session</a:t>
-            </a:r>
-            <a:r>
-              <a:rPr lang="en-US" sz="4000" dirty="0">
-                <a:solidFill>
-                  <a:schemeClr val="accent2"/>
-                </a:solidFill>
-              </a:rPr>
-              <a:t>,</a:t>
-            </a:r>
-            <a:r>
-              <a:rPr lang="en-US" sz="4000" dirty="0"/>
-              <a:t> you</a:t>
-            </a:r>
-            <a:r>
-              <a:rPr lang="en-US" sz="4000" dirty="0">
-                <a:solidFill>
-                  <a:schemeClr val="accent2"/>
-                </a:solidFill>
-              </a:rPr>
-              <a:t>’</a:t>
-            </a:r>
-            <a:r>
-              <a:rPr lang="en-US" sz="4000" dirty="0"/>
-              <a:t>ll loop through a collection of some of my favorite albums and print the content</a:t>
-            </a:r>
-            <a:r>
-              <a:rPr lang="en-US" sz="4000" dirty="0">
-                <a:solidFill>
-                  <a:schemeClr val="accent1"/>
-                </a:solidFill>
-              </a:rPr>
-              <a:t>.</a:t>
-            </a:r>
-          </a:p>
-        </p:txBody>
-      </p:sp>
-      <p:sp>
-        <p:nvSpPr>
-          <p:cNvPr id="9" name="Rectangle: Rounded Corners 8">
-            <a:extLst>
-              <a:ext uri="{FF2B5EF4-FFF2-40B4-BE49-F238E27FC236}">
-                <a16:creationId xmlns:a16="http://schemas.microsoft.com/office/drawing/2014/main" id="{526C0B66-D21E-4DAE-871C-5EC33E4FD3BD}"/>
-              </a:ext>
-            </a:extLst>
-          </p:cNvPr>
-          <p:cNvSpPr/>
-          <p:nvPr/>
-        </p:nvSpPr>
-        <p:spPr>
-          <a:xfrm>
-            <a:off x="7844590" y="1949006"/>
-            <a:ext cx="3958389" cy="4418765"/>
-          </a:xfrm>
-          <a:prstGeom prst="roundRect">
-            <a:avLst/>
-          </a:prstGeom>
-          <a:noFill/>
-          <a:ln w="76200">
-            <a:solidFill>
-              <a:schemeClr val="accent2"/>
-            </a:solidFill>
-          </a:ln>
-        </p:spPr>
-        <p:style>
-          <a:lnRef idx="2">
-            <a:schemeClr val="accent1">
-              <a:shade val="50000"/>
-            </a:schemeClr>
-          </a:lnRef>
-          <a:fillRef idx="1">
-            <a:schemeClr val="accent1"/>
-          </a:fillRef>
-          <a:effectRef idx="0">
-            <a:schemeClr val="accent1"/>
-          </a:effectRef>
-          <a:fontRef idx="minor">
-            <a:schemeClr val="lt1"/>
-          </a:fontRef>
-        </p:style>
-        <p:txBody>
-          <a:bodyPr rtlCol="0" anchor="ctr"/>
-          <a:lstStyle/>
-          <a:p>
-            <a:r>
-              <a:rPr lang="en-US" sz="4400" b="1" dirty="0">
-                <a:solidFill>
-                  <a:srgbClr val="FFFFFF"/>
-                </a:solidFill>
-              </a:rPr>
-              <a:t>Open your notebook</a:t>
-            </a:r>
-          </a:p>
-          <a:p>
-            <a:endParaRPr lang="en-US" sz="4400" b="1" dirty="0">
-              <a:solidFill>
-                <a:srgbClr val="FFFFFF"/>
-              </a:solidFill>
-            </a:endParaRPr>
-          </a:p>
-          <a:p>
-            <a:r>
-              <a:rPr lang="en-US" sz="2800" b="1" dirty="0">
-                <a:solidFill>
-                  <a:srgbClr val="FFFFFF"/>
-                </a:solidFill>
-              </a:rPr>
-              <a:t>Click Link</a:t>
-            </a:r>
-            <a:r>
-              <a:rPr lang="en-US" sz="2800" b="1" dirty="0">
-                <a:solidFill>
-                  <a:schemeClr val="accent6"/>
-                </a:solidFill>
-              </a:rPr>
-              <a:t>:</a:t>
-            </a:r>
-          </a:p>
-          <a:p>
-            <a:r>
-              <a:rPr lang="en-US" sz="2800" b="1" dirty="0">
-                <a:solidFill>
-                  <a:schemeClr val="accent6"/>
-                </a:solidFill>
-              </a:rPr>
-              <a:t>8. </a:t>
-            </a:r>
-            <a:r>
-              <a:rPr lang="en-US" sz="2600" b="1" dirty="0">
-                <a:solidFill>
-                  <a:schemeClr val="accent6"/>
-                </a:solidFill>
-              </a:rPr>
-              <a:t>Breakout Session 3</a:t>
-            </a:r>
-          </a:p>
-        </p:txBody>
-      </p:sp>
-    </p:spTree>
-    <p:extLst>
-      <p:ext uri="{BB962C8B-B14F-4D97-AF65-F5344CB8AC3E}">
-        <p14:creationId xmlns:p14="http://schemas.microsoft.com/office/powerpoint/2010/main" val="840432386"/>
-      </p:ext>
-    </p:extLst>
-  </p:cSld>
-  <p:clrMapOvr>
-    <a:masterClrMapping/>
-  </p:clrMapOvr>
-</p:sld>
-</file>
-
-<file path=ppt/slides/slide22.xml><?xml version="1.0" encoding="utf-8"?>
-<p:sld xmlns:a="http://schemas.openxmlformats.org/drawingml/2006/main" xmlns:r="http://schemas.openxmlformats.org/officeDocument/2006/relationships" xmlns:p="http://schemas.openxmlformats.org/presentationml/2006/main">
-  <p:cSld>
-    <p:spTree>
-      <p:nvGrpSpPr>
-        <p:cNvPr id="1" name=""/>
-        <p:cNvGrpSpPr/>
-        <p:nvPr/>
-      </p:nvGrpSpPr>
-      <p:grpSpPr>
-        <a:xfrm>
-          <a:off x="0" y="0"/>
-          <a:ext cx="0" cy="0"/>
-          <a:chOff x="0" y="0"/>
-          <a:chExt cx="0" cy="0"/>
-        </a:xfrm>
-      </p:grpSpPr>
-      <p:sp>
-        <p:nvSpPr>
           <p:cNvPr id="4" name="Title 3">
             <a:extLst>
               <a:ext uri="{FF2B5EF4-FFF2-40B4-BE49-F238E27FC236}">
@@ -8843,7 +8647,7 @@
 </p:sld>
 </file>
 
-<file path=ppt/slides/slide23.xml><?xml version="1.0" encoding="utf-8"?>
+<file path=ppt/slides/slide22.xml><?xml version="1.0" encoding="utf-8"?>
 <p:sld xmlns:a="http://schemas.openxmlformats.org/drawingml/2006/main" xmlns:r="http://schemas.openxmlformats.org/officeDocument/2006/relationships" xmlns:p="http://schemas.openxmlformats.org/presentationml/2006/main">
   <p:cSld>
     <p:spTree>
@@ -9364,11 +9168,13 @@
         <p:spPr>
           <a:xfrm>
             <a:off x="838200" y="1825624"/>
-            <a:ext cx="6773883" cy="4835479"/>
-          </a:xfrm>
-        </p:spPr>
-        <p:txBody>
-          <a:bodyPr/>
+            <a:ext cx="6773883" cy="4970433"/>
+          </a:xfrm>
+        </p:spPr>
+        <p:txBody>
+          <a:bodyPr>
+            <a:normAutofit/>
+          </a:bodyPr>
           <a:lstStyle/>
           <a:p>
             <a:r>
@@ -9471,6 +9277,28 @@
                 </a:solidFill>
               </a:rPr>
               <a:t>.</a:t>
+            </a:r>
+          </a:p>
+          <a:p>
+            <a:pPr lvl="1"/>
+            <a:r>
+              <a:rPr lang="en-US" dirty="0">
+                <a:solidFill>
+                  <a:schemeClr val="accent6"/>
+                </a:solidFill>
+              </a:rPr>
+              <a:t>(1 + 1) / 2</a:t>
+            </a:r>
+          </a:p>
+          <a:p>
+            <a:pPr lvl="1"/>
+            <a:r>
+              <a:rPr lang="en-US" dirty="0">
+                <a:solidFill>
+                  <a:schemeClr val="accent6"/>
+                </a:solidFill>
+              </a:rPr>
+              <a:t>(1) / 2 </a:t>
             </a:r>
           </a:p>
           <a:p>
